--- a/Thesis/ThesisPoster.pptx
+++ b/Thesis/ThesisPoster.pptx
@@ -104,6 +104,11 @@
       </a:defRPr>
     </a:lvl9pPr>
   </p:defaultTextStyle>
+  <p:extLst>
+    <p:ext uri="{EFAFB233-063F-42B5-8137-9DF3F51BA10A}">
+      <p15:sldGuideLst xmlns:p15="http://schemas.microsoft.com/office/powerpoint/2012/main"/>
+    </p:ext>
+  </p:extLst>
 </p:presentation>
 </file>
 
@@ -238,7 +243,7 @@
           <a:p>
             <a:fld id="{8F7E9D0B-B4C4-4647-A35A-75E649626003}" type="datetimeFigureOut">
               <a:rPr lang="en-US" smtClean="0"/>
-              <a:t>4/26/2021</a:t>
+              <a:t>5/4/2021</a:t>
             </a:fld>
             <a:endParaRPr lang="en-US"/>
           </a:p>
@@ -408,7 +413,7 @@
           <a:p>
             <a:fld id="{8F7E9D0B-B4C4-4647-A35A-75E649626003}" type="datetimeFigureOut">
               <a:rPr lang="en-US" smtClean="0"/>
-              <a:t>4/26/2021</a:t>
+              <a:t>5/4/2021</a:t>
             </a:fld>
             <a:endParaRPr lang="en-US"/>
           </a:p>
@@ -588,7 +593,7 @@
           <a:p>
             <a:fld id="{8F7E9D0B-B4C4-4647-A35A-75E649626003}" type="datetimeFigureOut">
               <a:rPr lang="en-US" smtClean="0"/>
-              <a:t>4/26/2021</a:t>
+              <a:t>5/4/2021</a:t>
             </a:fld>
             <a:endParaRPr lang="en-US"/>
           </a:p>
@@ -758,7 +763,7 @@
           <a:p>
             <a:fld id="{8F7E9D0B-B4C4-4647-A35A-75E649626003}" type="datetimeFigureOut">
               <a:rPr lang="en-US" smtClean="0"/>
-              <a:t>4/26/2021</a:t>
+              <a:t>5/4/2021</a:t>
             </a:fld>
             <a:endParaRPr lang="en-US"/>
           </a:p>
@@ -1002,7 +1007,7 @@
           <a:p>
             <a:fld id="{8F7E9D0B-B4C4-4647-A35A-75E649626003}" type="datetimeFigureOut">
               <a:rPr lang="en-US" smtClean="0"/>
-              <a:t>4/26/2021</a:t>
+              <a:t>5/4/2021</a:t>
             </a:fld>
             <a:endParaRPr lang="en-US"/>
           </a:p>
@@ -1234,7 +1239,7 @@
           <a:p>
             <a:fld id="{8F7E9D0B-B4C4-4647-A35A-75E649626003}" type="datetimeFigureOut">
               <a:rPr lang="en-US" smtClean="0"/>
-              <a:t>4/26/2021</a:t>
+              <a:t>5/4/2021</a:t>
             </a:fld>
             <a:endParaRPr lang="en-US"/>
           </a:p>
@@ -1601,7 +1606,7 @@
           <a:p>
             <a:fld id="{8F7E9D0B-B4C4-4647-A35A-75E649626003}" type="datetimeFigureOut">
               <a:rPr lang="en-US" smtClean="0"/>
-              <a:t>4/26/2021</a:t>
+              <a:t>5/4/2021</a:t>
             </a:fld>
             <a:endParaRPr lang="en-US"/>
           </a:p>
@@ -1719,7 +1724,7 @@
           <a:p>
             <a:fld id="{8F7E9D0B-B4C4-4647-A35A-75E649626003}" type="datetimeFigureOut">
               <a:rPr lang="en-US" smtClean="0"/>
-              <a:t>4/26/2021</a:t>
+              <a:t>5/4/2021</a:t>
             </a:fld>
             <a:endParaRPr lang="en-US"/>
           </a:p>
@@ -1814,7 +1819,7 @@
           <a:p>
             <a:fld id="{8F7E9D0B-B4C4-4647-A35A-75E649626003}" type="datetimeFigureOut">
               <a:rPr lang="en-US" smtClean="0"/>
-              <a:t>4/26/2021</a:t>
+              <a:t>5/4/2021</a:t>
             </a:fld>
             <a:endParaRPr lang="en-US"/>
           </a:p>
@@ -2091,7 +2096,7 @@
           <a:p>
             <a:fld id="{8F7E9D0B-B4C4-4647-A35A-75E649626003}" type="datetimeFigureOut">
               <a:rPr lang="en-US" smtClean="0"/>
-              <a:t>4/26/2021</a:t>
+              <a:t>5/4/2021</a:t>
             </a:fld>
             <a:endParaRPr lang="en-US"/>
           </a:p>
@@ -2348,7 +2353,7 @@
           <a:p>
             <a:fld id="{8F7E9D0B-B4C4-4647-A35A-75E649626003}" type="datetimeFigureOut">
               <a:rPr lang="en-US" smtClean="0"/>
-              <a:t>4/26/2021</a:t>
+              <a:t>5/4/2021</a:t>
             </a:fld>
             <a:endParaRPr lang="en-US"/>
           </a:p>
@@ -2561,7 +2566,7 @@
           <a:p>
             <a:fld id="{8F7E9D0B-B4C4-4647-A35A-75E649626003}" type="datetimeFigureOut">
               <a:rPr lang="en-US" smtClean="0"/>
-              <a:t>4/26/2021</a:t>
+              <a:t>5/4/2021</a:t>
             </a:fld>
             <a:endParaRPr lang="en-US"/>
           </a:p>
@@ -3650,7 +3655,7 @@
             <a:pPr algn="l"/>
             <a:r>
               <a:rPr lang="en-US" sz="5000" dirty="0"/>
-              <a:t>To build the tree four steps are repeated as many times as possible: Selection, Expansion, Simulation, and Backpropagation</a:t>
+              <a:t>To build the tree four steps are repeated as many times as possible: selection, expansion, simulation, and backpropagation</a:t>
             </a:r>
           </a:p>
           <a:p>
@@ -4366,42 +4371,6 @@
       </p:sp>
       <p:pic>
         <p:nvPicPr>
-          <p:cNvPr id="17" name="Picture 16" descr="Graphical user interface&#10;&#10;Description automatically generated">
-            <a:extLst>
-              <a:ext uri="{FF2B5EF4-FFF2-40B4-BE49-F238E27FC236}">
-                <a16:creationId xmlns:a16="http://schemas.microsoft.com/office/drawing/2014/main" id="{53F549A4-45B8-460C-A61F-32578038D47C}"/>
-              </a:ext>
-            </a:extLst>
-          </p:cNvPr>
-          <p:cNvPicPr>
-            <a:picLocks noChangeAspect="1"/>
-          </p:cNvPicPr>
-          <p:nvPr/>
-        </p:nvPicPr>
-        <p:blipFill>
-          <a:blip r:embed="rId2">
-            <a:extLst>
-              <a:ext uri="{28A0092B-C50C-407E-A947-70E740481C1C}">
-                <a14:useLocalDpi xmlns:a14="http://schemas.microsoft.com/office/drawing/2010/main" val="0"/>
-              </a:ext>
-            </a:extLst>
-          </a:blip>
-          <a:stretch>
-            <a:fillRect/>
-          </a:stretch>
-        </p:blipFill>
-        <p:spPr>
-          <a:xfrm>
-            <a:off x="8533056" y="3733800"/>
-            <a:ext cx="9020184" cy="5099048"/>
-          </a:xfrm>
-          <a:prstGeom prst="rect">
-            <a:avLst/>
-          </a:prstGeom>
-        </p:spPr>
-      </p:pic>
-      <p:pic>
-        <p:nvPicPr>
           <p:cNvPr id="18" name="Content Placeholder 4" descr="Diagram, schematic&#10;&#10;Description automatically generated">
             <a:extLst>
               <a:ext uri="{FF2B5EF4-FFF2-40B4-BE49-F238E27FC236}">
@@ -4415,7 +4384,7 @@
           <p:nvPr/>
         </p:nvPicPr>
         <p:blipFill>
-          <a:blip r:embed="rId3"/>
+          <a:blip r:embed="rId2"/>
           <a:stretch>
             <a:fillRect/>
           </a:stretch>
@@ -4473,7 +4442,7 @@
           <p:nvPr/>
         </p:nvPicPr>
         <p:blipFill>
-          <a:blip r:embed="rId4">
+          <a:blip r:embed="rId3">
             <a:extLst>
               <a:ext uri="{28A0092B-C50C-407E-A947-70E740481C1C}">
                 <a14:useLocalDpi xmlns:a14="http://schemas.microsoft.com/office/drawing/2010/main" val="0"/>
@@ -4539,7 +4508,7 @@
           <p:nvPr/>
         </p:nvPicPr>
         <p:blipFill>
-          <a:blip r:embed="rId5">
+          <a:blip r:embed="rId4">
             <a:extLst>
               <a:ext uri="{28A0092B-C50C-407E-A947-70E740481C1C}">
                 <a14:useLocalDpi xmlns:a14="http://schemas.microsoft.com/office/drawing/2010/main" val="0"/>
@@ -4575,7 +4544,7 @@
           <p:nvPr/>
         </p:nvPicPr>
         <p:blipFill>
-          <a:blip r:embed="rId6">
+          <a:blip r:embed="rId5">
             <a:extLst>
               <a:ext uri="{28A0092B-C50C-407E-A947-70E740481C1C}">
                 <a14:useLocalDpi xmlns:a14="http://schemas.microsoft.com/office/drawing/2010/main" val="0"/>
@@ -5581,7 +5550,7 @@
           <p:nvPr/>
         </p:nvPicPr>
         <p:blipFill>
-          <a:blip r:embed="rId7">
+          <a:blip r:embed="rId6">
             <a:extLst>
               <a:ext uri="{28A0092B-C50C-407E-A947-70E740481C1C}">
                 <a14:useLocalDpi xmlns:a14="http://schemas.microsoft.com/office/drawing/2010/main" val="0"/>
@@ -5672,6 +5641,42 @@
           </a:p>
         </p:txBody>
       </p:sp>
+      <p:pic>
+        <p:nvPicPr>
+          <p:cNvPr id="5" name="Picture 4" descr="Graphical user interface, website&#10;&#10;Description automatically generated">
+            <a:extLst>
+              <a:ext uri="{FF2B5EF4-FFF2-40B4-BE49-F238E27FC236}">
+                <a16:creationId xmlns:a16="http://schemas.microsoft.com/office/drawing/2014/main" id="{2C54D354-874A-4394-8594-090AB5EA1D05}"/>
+              </a:ext>
+            </a:extLst>
+          </p:cNvPr>
+          <p:cNvPicPr>
+            <a:picLocks noChangeAspect="1"/>
+          </p:cNvPicPr>
+          <p:nvPr/>
+        </p:nvPicPr>
+        <p:blipFill>
+          <a:blip r:embed="rId7">
+            <a:extLst>
+              <a:ext uri="{28A0092B-C50C-407E-A947-70E740481C1C}">
+                <a14:useLocalDpi xmlns:a14="http://schemas.microsoft.com/office/drawing/2010/main" val="0"/>
+              </a:ext>
+            </a:extLst>
+          </a:blip>
+          <a:stretch>
+            <a:fillRect/>
+          </a:stretch>
+        </p:blipFill>
+        <p:spPr>
+          <a:xfrm>
+            <a:off x="8560296" y="3740971"/>
+            <a:ext cx="8992944" cy="5222045"/>
+          </a:xfrm>
+          <a:prstGeom prst="rect">
+            <a:avLst/>
+          </a:prstGeom>
+        </p:spPr>
+      </p:pic>
     </p:spTree>
     <p:extLst>
       <p:ext uri="{BB962C8B-B14F-4D97-AF65-F5344CB8AC3E}">

--- a/Thesis/ThesisPoster.pptx
+++ b/Thesis/ThesisPoster.pptx
@@ -243,7 +243,7 @@
           <a:p>
             <a:fld id="{8F7E9D0B-B4C4-4647-A35A-75E649626003}" type="datetimeFigureOut">
               <a:rPr lang="en-US" smtClean="0"/>
-              <a:t>5/4/2021</a:t>
+              <a:t>5/7/2021</a:t>
             </a:fld>
             <a:endParaRPr lang="en-US"/>
           </a:p>
@@ -413,7 +413,7 @@
           <a:p>
             <a:fld id="{8F7E9D0B-B4C4-4647-A35A-75E649626003}" type="datetimeFigureOut">
               <a:rPr lang="en-US" smtClean="0"/>
-              <a:t>5/4/2021</a:t>
+              <a:t>5/7/2021</a:t>
             </a:fld>
             <a:endParaRPr lang="en-US"/>
           </a:p>
@@ -593,7 +593,7 @@
           <a:p>
             <a:fld id="{8F7E9D0B-B4C4-4647-A35A-75E649626003}" type="datetimeFigureOut">
               <a:rPr lang="en-US" smtClean="0"/>
-              <a:t>5/4/2021</a:t>
+              <a:t>5/7/2021</a:t>
             </a:fld>
             <a:endParaRPr lang="en-US"/>
           </a:p>
@@ -763,7 +763,7 @@
           <a:p>
             <a:fld id="{8F7E9D0B-B4C4-4647-A35A-75E649626003}" type="datetimeFigureOut">
               <a:rPr lang="en-US" smtClean="0"/>
-              <a:t>5/4/2021</a:t>
+              <a:t>5/7/2021</a:t>
             </a:fld>
             <a:endParaRPr lang="en-US"/>
           </a:p>
@@ -1007,7 +1007,7 @@
           <a:p>
             <a:fld id="{8F7E9D0B-B4C4-4647-A35A-75E649626003}" type="datetimeFigureOut">
               <a:rPr lang="en-US" smtClean="0"/>
-              <a:t>5/4/2021</a:t>
+              <a:t>5/7/2021</a:t>
             </a:fld>
             <a:endParaRPr lang="en-US"/>
           </a:p>
@@ -1239,7 +1239,7 @@
           <a:p>
             <a:fld id="{8F7E9D0B-B4C4-4647-A35A-75E649626003}" type="datetimeFigureOut">
               <a:rPr lang="en-US" smtClean="0"/>
-              <a:t>5/4/2021</a:t>
+              <a:t>5/7/2021</a:t>
             </a:fld>
             <a:endParaRPr lang="en-US"/>
           </a:p>
@@ -1606,7 +1606,7 @@
           <a:p>
             <a:fld id="{8F7E9D0B-B4C4-4647-A35A-75E649626003}" type="datetimeFigureOut">
               <a:rPr lang="en-US" smtClean="0"/>
-              <a:t>5/4/2021</a:t>
+              <a:t>5/7/2021</a:t>
             </a:fld>
             <a:endParaRPr lang="en-US"/>
           </a:p>
@@ -1724,7 +1724,7 @@
           <a:p>
             <a:fld id="{8F7E9D0B-B4C4-4647-A35A-75E649626003}" type="datetimeFigureOut">
               <a:rPr lang="en-US" smtClean="0"/>
-              <a:t>5/4/2021</a:t>
+              <a:t>5/7/2021</a:t>
             </a:fld>
             <a:endParaRPr lang="en-US"/>
           </a:p>
@@ -1819,7 +1819,7 @@
           <a:p>
             <a:fld id="{8F7E9D0B-B4C4-4647-A35A-75E649626003}" type="datetimeFigureOut">
               <a:rPr lang="en-US" smtClean="0"/>
-              <a:t>5/4/2021</a:t>
+              <a:t>5/7/2021</a:t>
             </a:fld>
             <a:endParaRPr lang="en-US"/>
           </a:p>
@@ -2096,7 +2096,7 @@
           <a:p>
             <a:fld id="{8F7E9D0B-B4C4-4647-A35A-75E649626003}" type="datetimeFigureOut">
               <a:rPr lang="en-US" smtClean="0"/>
-              <a:t>5/4/2021</a:t>
+              <a:t>5/7/2021</a:t>
             </a:fld>
             <a:endParaRPr lang="en-US"/>
           </a:p>
@@ -2353,7 +2353,7 @@
           <a:p>
             <a:fld id="{8F7E9D0B-B4C4-4647-A35A-75E649626003}" type="datetimeFigureOut">
               <a:rPr lang="en-US" smtClean="0"/>
-              <a:t>5/4/2021</a:t>
+              <a:t>5/7/2021</a:t>
             </a:fld>
             <a:endParaRPr lang="en-US"/>
           </a:p>
@@ -2566,7 +2566,7 @@
           <a:p>
             <a:fld id="{8F7E9D0B-B4C4-4647-A35A-75E649626003}" type="datetimeFigureOut">
               <a:rPr lang="en-US" smtClean="0"/>
-              <a:t>5/4/2021</a:t>
+              <a:t>5/7/2021</a:t>
             </a:fld>
             <a:endParaRPr lang="en-US"/>
           </a:p>
@@ -2989,25 +2989,25 @@
         </p:nvSpPr>
         <p:spPr>
           <a:xfrm>
-            <a:off x="1371600" y="876300"/>
-            <a:ext cx="15544800" cy="2857500"/>
+            <a:off x="1371600" y="539735"/>
+            <a:ext cx="15544800" cy="2187597"/>
           </a:xfrm>
         </p:spPr>
         <p:txBody>
           <a:bodyPr>
-            <a:normAutofit fontScale="90000"/>
+            <a:noAutofit/>
           </a:bodyPr>
           <a:lstStyle/>
           <a:p>
             <a:r>
-              <a:rPr lang="en-US" dirty="0"/>
+              <a:rPr lang="en-US" sz="8800" dirty="0"/>
               <a:t>Dominion AI Using </a:t>
             </a:r>
             <a:br>
-              <a:rPr lang="en-US" dirty="0"/>
+              <a:rPr lang="en-US" sz="8800" dirty="0"/>
             </a:br>
             <a:r>
-              <a:rPr lang="en-US" dirty="0"/>
+              <a:rPr lang="en-US" sz="8800" dirty="0"/>
               <a:t>Monte Carlo Tree Search</a:t>
             </a:r>
           </a:p>
@@ -5677,6 +5677,62 @@
           </a:prstGeom>
         </p:spPr>
       </p:pic>
+      <p:sp>
+        <p:nvSpPr>
+          <p:cNvPr id="21" name="Title 1">
+            <a:extLst>
+              <a:ext uri="{FF2B5EF4-FFF2-40B4-BE49-F238E27FC236}">
+                <a16:creationId xmlns:a16="http://schemas.microsoft.com/office/drawing/2014/main" id="{3E970F10-9C8E-4030-AA49-6BA6913B32AE}"/>
+              </a:ext>
+            </a:extLst>
+          </p:cNvPr>
+          <p:cNvSpPr txBox="1">
+            <a:spLocks/>
+          </p:cNvSpPr>
+          <p:nvPr/>
+        </p:nvSpPr>
+        <p:spPr>
+          <a:xfrm>
+            <a:off x="1371600" y="2711024"/>
+            <a:ext cx="15544800" cy="753632"/>
+          </a:xfrm>
+          <a:prstGeom prst="rect">
+            <a:avLst/>
+          </a:prstGeom>
+        </p:spPr>
+        <p:txBody>
+          <a:bodyPr vert="horz" lIns="91440" tIns="45720" rIns="91440" bIns="45720" rtlCol="0" anchor="b">
+            <a:noAutofit/>
+          </a:bodyPr>
+          <a:lstStyle>
+            <a:lvl1pPr algn="ctr" defTabSz="1828800" rtl="0" eaLnBrk="1" latinLnBrk="0" hangingPunct="1">
+              <a:lnSpc>
+                <a:spcPct val="90000"/>
+              </a:lnSpc>
+              <a:spcBef>
+                <a:spcPct val="0"/>
+              </a:spcBef>
+              <a:buNone/>
+              <a:defRPr sz="12000" kern="1200">
+                <a:solidFill>
+                  <a:schemeClr val="tx1"/>
+                </a:solidFill>
+                <a:latin typeface="+mj-lt"/>
+                <a:ea typeface="+mj-ea"/>
+                <a:cs typeface="+mj-cs"/>
+              </a:defRPr>
+            </a:lvl1pPr>
+          </a:lstStyle>
+          <a:p>
+            <a:r>
+              <a:rPr lang="en-US" sz="4800" dirty="0">
+                <a:latin typeface="+mn-lt"/>
+              </a:rPr>
+              <a:t>By: Jonathan Sarasua</a:t>
+            </a:r>
+          </a:p>
+        </p:txBody>
+      </p:sp>
     </p:spTree>
     <p:extLst>
       <p:ext uri="{BB962C8B-B14F-4D97-AF65-F5344CB8AC3E}">
